--- a/Final Milestone.pptx
+++ b/Final Milestone.pptx
@@ -8,10 +8,11 @@
     <p:sldId id="256" r:id="rId2"/>
     <p:sldId id="257" r:id="rId3"/>
     <p:sldId id="262" r:id="rId4"/>
-    <p:sldId id="258" r:id="rId5"/>
-    <p:sldId id="261" r:id="rId6"/>
-    <p:sldId id="259" r:id="rId7"/>
-    <p:sldId id="260" r:id="rId8"/>
+    <p:sldId id="263" r:id="rId5"/>
+    <p:sldId id="258" r:id="rId6"/>
+    <p:sldId id="261" r:id="rId7"/>
+    <p:sldId id="259" r:id="rId8"/>
+    <p:sldId id="260" r:id="rId9"/>
   </p:sldIdLst>
   <p:sldSz cx="12192000" cy="6858000"/>
   <p:notesSz cx="6858000" cy="9144000"/>
@@ -840,7 +841,7 @@
           <a:p>
             <a:fld id="{E9AACBFD-08B3-490C-A769-0E1BE36B005D}" type="datetimeFigureOut">
               <a:rPr lang="en-US" smtClean="0"/>
-              <a:t>11/20/2020</a:t>
+              <a:t>11/24/2020</a:t>
             </a:fld>
             <a:endParaRPr lang="en-US"/>
           </a:p>
@@ -1091,7 +1092,7 @@
           <a:p>
             <a:fld id="{E9AACBFD-08B3-490C-A769-0E1BE36B005D}" type="datetimeFigureOut">
               <a:rPr lang="en-US" smtClean="0"/>
-              <a:t>11/20/2020</a:t>
+              <a:t>11/24/2020</a:t>
             </a:fld>
             <a:endParaRPr lang="en-US"/>
           </a:p>
@@ -1405,7 +1406,7 @@
           <a:p>
             <a:fld id="{E9AACBFD-08B3-490C-A769-0E1BE36B005D}" type="datetimeFigureOut">
               <a:rPr lang="en-US" smtClean="0"/>
-              <a:t>11/20/2020</a:t>
+              <a:t>11/24/2020</a:t>
             </a:fld>
             <a:endParaRPr lang="en-US"/>
           </a:p>
@@ -1746,7 +1747,7 @@
           <a:p>
             <a:fld id="{E9AACBFD-08B3-490C-A769-0E1BE36B005D}" type="datetimeFigureOut">
               <a:rPr lang="en-US" smtClean="0"/>
-              <a:t>11/20/2020</a:t>
+              <a:t>11/24/2020</a:t>
             </a:fld>
             <a:endParaRPr lang="en-US"/>
           </a:p>
@@ -2060,7 +2061,7 @@
           <a:p>
             <a:fld id="{E9AACBFD-08B3-490C-A769-0E1BE36B005D}" type="datetimeFigureOut">
               <a:rPr lang="en-US" smtClean="0"/>
-              <a:t>11/20/2020</a:t>
+              <a:t>11/24/2020</a:t>
             </a:fld>
             <a:endParaRPr lang="en-US"/>
           </a:p>
@@ -2453,7 +2454,7 @@
           <a:p>
             <a:fld id="{E9AACBFD-08B3-490C-A769-0E1BE36B005D}" type="datetimeFigureOut">
               <a:rPr lang="en-US" smtClean="0"/>
-              <a:t>11/20/2020</a:t>
+              <a:t>11/24/2020</a:t>
             </a:fld>
             <a:endParaRPr lang="en-US"/>
           </a:p>
@@ -2623,7 +2624,7 @@
           <a:p>
             <a:fld id="{E9AACBFD-08B3-490C-A769-0E1BE36B005D}" type="datetimeFigureOut">
               <a:rPr lang="en-US" smtClean="0"/>
-              <a:t>11/20/2020</a:t>
+              <a:t>11/24/2020</a:t>
             </a:fld>
             <a:endParaRPr lang="en-US"/>
           </a:p>
@@ -2803,7 +2804,7 @@
           <a:p>
             <a:fld id="{E9AACBFD-08B3-490C-A769-0E1BE36B005D}" type="datetimeFigureOut">
               <a:rPr lang="en-US" smtClean="0"/>
-              <a:t>11/20/2020</a:t>
+              <a:t>11/24/2020</a:t>
             </a:fld>
             <a:endParaRPr lang="en-US"/>
           </a:p>
@@ -2979,7 +2980,7 @@
           <a:p>
             <a:fld id="{E9AACBFD-08B3-490C-A769-0E1BE36B005D}" type="datetimeFigureOut">
               <a:rPr lang="en-US" smtClean="0"/>
-              <a:t>11/20/2020</a:t>
+              <a:t>11/24/2020</a:t>
             </a:fld>
             <a:endParaRPr lang="en-US"/>
           </a:p>
@@ -3226,7 +3227,7 @@
           <a:p>
             <a:fld id="{E9AACBFD-08B3-490C-A769-0E1BE36B005D}" type="datetimeFigureOut">
               <a:rPr lang="en-US" smtClean="0"/>
-              <a:t>11/20/2020</a:t>
+              <a:t>11/24/2020</a:t>
             </a:fld>
             <a:endParaRPr lang="en-US"/>
           </a:p>
@@ -3458,7 +3459,7 @@
           <a:p>
             <a:fld id="{E9AACBFD-08B3-490C-A769-0E1BE36B005D}" type="datetimeFigureOut">
               <a:rPr lang="en-US" smtClean="0"/>
-              <a:t>11/20/2020</a:t>
+              <a:t>11/24/2020</a:t>
             </a:fld>
             <a:endParaRPr lang="en-US"/>
           </a:p>
@@ -3832,7 +3833,7 @@
           <a:p>
             <a:fld id="{E9AACBFD-08B3-490C-A769-0E1BE36B005D}" type="datetimeFigureOut">
               <a:rPr lang="en-US" smtClean="0"/>
-              <a:t>11/20/2020</a:t>
+              <a:t>11/24/2020</a:t>
             </a:fld>
             <a:endParaRPr lang="en-US"/>
           </a:p>
@@ -3955,7 +3956,7 @@
           <a:p>
             <a:fld id="{E9AACBFD-08B3-490C-A769-0E1BE36B005D}" type="datetimeFigureOut">
               <a:rPr lang="en-US" smtClean="0"/>
-              <a:t>11/20/2020</a:t>
+              <a:t>11/24/2020</a:t>
             </a:fld>
             <a:endParaRPr lang="en-US"/>
           </a:p>
@@ -4050,7 +4051,7 @@
           <a:p>
             <a:fld id="{E9AACBFD-08B3-490C-A769-0E1BE36B005D}" type="datetimeFigureOut">
               <a:rPr lang="en-US" smtClean="0"/>
-              <a:t>11/20/2020</a:t>
+              <a:t>11/24/2020</a:t>
             </a:fld>
             <a:endParaRPr lang="en-US"/>
           </a:p>
@@ -4305,7 +4306,7 @@
           <a:p>
             <a:fld id="{E9AACBFD-08B3-490C-A769-0E1BE36B005D}" type="datetimeFigureOut">
               <a:rPr lang="en-US" smtClean="0"/>
-              <a:t>11/20/2020</a:t>
+              <a:t>11/24/2020</a:t>
             </a:fld>
             <a:endParaRPr lang="en-US"/>
           </a:p>
@@ -4568,7 +4569,7 @@
           <a:p>
             <a:fld id="{E9AACBFD-08B3-490C-A769-0E1BE36B005D}" type="datetimeFigureOut">
               <a:rPr lang="en-US" smtClean="0"/>
-              <a:t>11/20/2020</a:t>
+              <a:t>11/24/2020</a:t>
             </a:fld>
             <a:endParaRPr lang="en-US"/>
           </a:p>
@@ -5311,7 +5312,7 @@
           <a:p>
             <a:fld id="{E9AACBFD-08B3-490C-A769-0E1BE36B005D}" type="datetimeFigureOut">
               <a:rPr lang="en-US" smtClean="0"/>
-              <a:t>11/20/2020</a:t>
+              <a:t>11/24/2020</a:t>
             </a:fld>
             <a:endParaRPr lang="en-US"/>
           </a:p>
@@ -6862,7 +6863,7 @@
           <p:cNvPr id="2" name="Title 1">
             <a:extLst>
               <a:ext uri="{FF2B5EF4-FFF2-40B4-BE49-F238E27FC236}">
-                <a16:creationId xmlns:a16="http://schemas.microsoft.com/office/drawing/2014/main" id="{0539CFEF-5277-473C-9778-0C6BAC194E86}"/>
+                <a16:creationId xmlns:a16="http://schemas.microsoft.com/office/drawing/2014/main" id="{F398A38B-C3A3-4D05-8D81-1D9F4ECAC96A}"/>
               </a:ext>
             </a:extLst>
           </p:cNvPr>
@@ -6879,297 +6880,46 @@
           <a:lstStyle/>
           <a:p>
             <a:r>
-              <a:rPr lang="en-US" dirty="0"/>
-              <a:t>Individual Responsibilities of All Members For This Milestone</a:t>
-            </a:r>
-          </a:p>
-        </p:txBody>
-      </p:sp>
-      <p:sp>
-        <p:nvSpPr>
-          <p:cNvPr id="3" name="Content Placeholder 2">
+              <a:rPr lang="it-IT" dirty="0"/>
+              <a:t>Profiling With Chrome Dev tool</a:t>
+            </a:r>
+            <a:endParaRPr lang="en-US" dirty="0"/>
+          </a:p>
+        </p:txBody>
+      </p:sp>
+      <p:pic>
+        <p:nvPicPr>
+          <p:cNvPr id="5" name="Content Placeholder 4">
             <a:extLst>
               <a:ext uri="{FF2B5EF4-FFF2-40B4-BE49-F238E27FC236}">
-                <a16:creationId xmlns:a16="http://schemas.microsoft.com/office/drawing/2014/main" id="{DA87AE0C-F175-484B-8AB9-0D101B2037EE}"/>
+                <a16:creationId xmlns:a16="http://schemas.microsoft.com/office/drawing/2014/main" id="{55BB9E84-0C8B-427F-B2D2-B0647A99031A}"/>
               </a:ext>
             </a:extLst>
           </p:cNvPr>
-          <p:cNvSpPr>
-            <a:spLocks noGrp="1"/>
-          </p:cNvSpPr>
+          <p:cNvPicPr>
+            <a:picLocks noGrp="1" noChangeAspect="1"/>
+          </p:cNvPicPr>
           <p:nvPr>
             <p:ph idx="1"/>
           </p:nvPr>
-        </p:nvSpPr>
-        <p:spPr/>
-        <p:txBody>
-          <a:bodyPr/>
-          <a:lstStyle/>
-          <a:p>
-            <a:r>
-              <a:rPr lang="it-IT" dirty="0"/>
-              <a:t>Gabriele </a:t>
-            </a:r>
-            <a:r>
-              <a:rPr lang="it-IT" dirty="0" err="1"/>
-              <a:t>has</a:t>
-            </a:r>
-            <a:r>
-              <a:rPr lang="it-IT" dirty="0"/>
-              <a:t> </a:t>
-            </a:r>
-            <a:r>
-              <a:rPr lang="it-IT" dirty="0" err="1"/>
-              <a:t>fixed</a:t>
-            </a:r>
-            <a:r>
-              <a:rPr lang="it-IT" dirty="0"/>
-              <a:t> a </a:t>
-            </a:r>
-            <a:r>
-              <a:rPr lang="it-IT" dirty="0" err="1"/>
-              <a:t>problem</a:t>
-            </a:r>
-            <a:r>
-              <a:rPr lang="it-IT" dirty="0"/>
-              <a:t> with the </a:t>
-            </a:r>
-            <a:r>
-              <a:rPr lang="it-IT" dirty="0" err="1"/>
-              <a:t>deletion</a:t>
-            </a:r>
-            <a:r>
-              <a:rPr lang="it-IT" dirty="0"/>
-              <a:t> of the sound, </a:t>
-            </a:r>
-            <a:r>
-              <a:rPr lang="it-IT" dirty="0" err="1"/>
-              <a:t>earlier</a:t>
-            </a:r>
-            <a:r>
-              <a:rPr lang="it-IT" dirty="0"/>
-              <a:t> </a:t>
-            </a:r>
-            <a:r>
-              <a:rPr lang="it-IT" dirty="0" err="1"/>
-              <a:t>when</a:t>
-            </a:r>
-            <a:r>
-              <a:rPr lang="it-IT" dirty="0"/>
-              <a:t> </a:t>
-            </a:r>
-            <a:r>
-              <a:rPr lang="it-IT" dirty="0" err="1"/>
-              <a:t>we</a:t>
-            </a:r>
-            <a:r>
-              <a:rPr lang="it-IT" dirty="0"/>
-              <a:t> </a:t>
-            </a:r>
-            <a:r>
-              <a:rPr lang="it-IT" dirty="0" err="1"/>
-              <a:t>were</a:t>
-            </a:r>
-            <a:r>
-              <a:rPr lang="it-IT" dirty="0"/>
-              <a:t> </a:t>
-            </a:r>
-            <a:r>
-              <a:rPr lang="it-IT" dirty="0" err="1"/>
-              <a:t>clicking</a:t>
-            </a:r>
-            <a:r>
-              <a:rPr lang="it-IT" dirty="0"/>
-              <a:t> delete the stream </a:t>
-            </a:r>
-            <a:r>
-              <a:rPr lang="it-IT" dirty="0" err="1"/>
-              <a:t>would</a:t>
-            </a:r>
-            <a:r>
-              <a:rPr lang="it-IT" dirty="0"/>
-              <a:t> stay </a:t>
-            </a:r>
-            <a:r>
-              <a:rPr lang="it-IT" dirty="0" err="1"/>
-              <a:t>now</a:t>
-            </a:r>
-            <a:r>
-              <a:rPr lang="it-IT" dirty="0"/>
-              <a:t> </a:t>
-            </a:r>
-            <a:r>
-              <a:rPr lang="it-IT" dirty="0" err="1"/>
-              <a:t>when</a:t>
-            </a:r>
-            <a:r>
-              <a:rPr lang="it-IT" dirty="0"/>
-              <a:t> </a:t>
-            </a:r>
-            <a:r>
-              <a:rPr lang="it-IT" dirty="0" err="1"/>
-              <a:t>we</a:t>
-            </a:r>
-            <a:r>
-              <a:rPr lang="it-IT" dirty="0"/>
-              <a:t> delete the sound the stream </a:t>
-            </a:r>
-            <a:r>
-              <a:rPr lang="it-IT" dirty="0" err="1"/>
-              <a:t>goes</a:t>
-            </a:r>
-            <a:r>
-              <a:rPr lang="it-IT" dirty="0"/>
-              <a:t> </a:t>
-            </a:r>
-            <a:r>
-              <a:rPr lang="it-IT" dirty="0" err="1"/>
-              <a:t>away</a:t>
-            </a:r>
-            <a:r>
-              <a:rPr lang="it-IT" dirty="0"/>
-              <a:t> with it. Big part of this milestone was </a:t>
-            </a:r>
-            <a:r>
-              <a:rPr lang="it-IT" dirty="0" err="1"/>
-              <a:t>figuring</a:t>
-            </a:r>
-            <a:r>
-              <a:rPr lang="it-IT" dirty="0"/>
-              <a:t> out the test </a:t>
-            </a:r>
-            <a:r>
-              <a:rPr lang="it-IT" dirty="0" err="1"/>
-              <a:t>cases</a:t>
-            </a:r>
-            <a:r>
-              <a:rPr lang="it-IT" dirty="0"/>
-              <a:t> with </a:t>
-            </a:r>
-            <a:r>
-              <a:rPr lang="it-IT" dirty="0" err="1"/>
-              <a:t>mocha</a:t>
-            </a:r>
-            <a:r>
-              <a:rPr lang="it-IT" dirty="0"/>
-              <a:t>, it </a:t>
-            </a:r>
-            <a:r>
-              <a:rPr lang="it-IT" dirty="0" err="1"/>
-              <a:t>took</a:t>
-            </a:r>
-            <a:r>
-              <a:rPr lang="it-IT" dirty="0"/>
-              <a:t> </a:t>
-            </a:r>
-            <a:r>
-              <a:rPr lang="it-IT" dirty="0" err="1"/>
-              <a:t>him</a:t>
-            </a:r>
-            <a:r>
-              <a:rPr lang="it-IT" dirty="0"/>
-              <a:t> a </a:t>
-            </a:r>
-            <a:r>
-              <a:rPr lang="it-IT" dirty="0" err="1"/>
-              <a:t>while</a:t>
-            </a:r>
-            <a:r>
-              <a:rPr lang="it-IT" dirty="0"/>
-              <a:t> but he </a:t>
-            </a:r>
-            <a:r>
-              <a:rPr lang="it-IT" dirty="0" err="1"/>
-              <a:t>figured</a:t>
-            </a:r>
-            <a:r>
-              <a:rPr lang="it-IT" dirty="0"/>
-              <a:t> it out. </a:t>
-            </a:r>
-            <a:r>
-              <a:rPr lang="it-IT" dirty="0" err="1"/>
-              <a:t>Also</a:t>
-            </a:r>
-            <a:r>
-              <a:rPr lang="it-IT" dirty="0"/>
-              <a:t> he </a:t>
-            </a:r>
-            <a:r>
-              <a:rPr lang="it-IT" dirty="0" err="1"/>
-              <a:t>found</a:t>
-            </a:r>
-            <a:r>
-              <a:rPr lang="it-IT" dirty="0"/>
-              <a:t> an online </a:t>
-            </a:r>
-            <a:r>
-              <a:rPr lang="it-IT" dirty="0" err="1"/>
-              <a:t>static</a:t>
-            </a:r>
-            <a:r>
-              <a:rPr lang="it-IT" dirty="0"/>
-              <a:t> </a:t>
-            </a:r>
-            <a:r>
-              <a:rPr lang="it-IT" dirty="0" err="1"/>
-              <a:t>analysis</a:t>
-            </a:r>
-            <a:r>
-              <a:rPr lang="it-IT" dirty="0"/>
-              <a:t> tool that </a:t>
-            </a:r>
-            <a:r>
-              <a:rPr lang="it-IT" dirty="0" err="1"/>
-              <a:t>we</a:t>
-            </a:r>
-            <a:r>
-              <a:rPr lang="it-IT" dirty="0"/>
-              <a:t> use to do </a:t>
-            </a:r>
-            <a:r>
-              <a:rPr lang="it-IT" dirty="0" err="1"/>
-              <a:t>our</a:t>
-            </a:r>
-            <a:r>
-              <a:rPr lang="it-IT" dirty="0"/>
-              <a:t> </a:t>
-            </a:r>
-            <a:r>
-              <a:rPr lang="it-IT" dirty="0" err="1"/>
-              <a:t>static</a:t>
-            </a:r>
-            <a:r>
-              <a:rPr lang="it-IT" dirty="0"/>
-              <a:t> </a:t>
-            </a:r>
-            <a:r>
-              <a:rPr lang="it-IT" dirty="0" err="1"/>
-              <a:t>analysis</a:t>
-            </a:r>
-            <a:r>
-              <a:rPr lang="it-IT" dirty="0"/>
-              <a:t> part of the project. He </a:t>
-            </a:r>
-            <a:r>
-              <a:rPr lang="it-IT" dirty="0" err="1"/>
-              <a:t>launch</a:t>
-            </a:r>
-            <a:r>
-              <a:rPr lang="it-IT" dirty="0"/>
-              <a:t> the website on </a:t>
-            </a:r>
-            <a:r>
-              <a:rPr lang="it-IT" dirty="0" err="1"/>
-              <a:t>github.io</a:t>
-            </a:r>
-            <a:endParaRPr lang="en-US" dirty="0"/>
-          </a:p>
-        </p:txBody>
-      </p:sp>
+        </p:nvPicPr>
+        <p:blipFill>
+          <a:blip r:embed="rId2"/>
+          <a:stretch>
+            <a:fillRect/>
+          </a:stretch>
+        </p:blipFill>
+        <p:spPr>
+          <a:xfrm>
+            <a:off x="808033" y="2160588"/>
+            <a:ext cx="8335972" cy="3881437"/>
+          </a:xfrm>
+        </p:spPr>
+      </p:pic>
     </p:spTree>
     <p:extLst>
       <p:ext uri="{BB962C8B-B14F-4D97-AF65-F5344CB8AC3E}">
-        <p14:creationId xmlns:p14="http://schemas.microsoft.com/office/powerpoint/2010/main" val="875491310"/>
+        <p14:creationId xmlns:p14="http://schemas.microsoft.com/office/powerpoint/2010/main" val="727783594"/>
       </p:ext>
     </p:extLst>
   </p:cSld>
@@ -7201,7 +6951,7 @@
           <p:cNvPr id="2" name="Title 1">
             <a:extLst>
               <a:ext uri="{FF2B5EF4-FFF2-40B4-BE49-F238E27FC236}">
-                <a16:creationId xmlns:a16="http://schemas.microsoft.com/office/drawing/2014/main" id="{ECA6F8B9-F1BA-4D70-8DBE-E1853B9D1A0A}"/>
+                <a16:creationId xmlns:a16="http://schemas.microsoft.com/office/drawing/2014/main" id="{0539CFEF-5277-473C-9778-0C6BAC194E86}"/>
               </a:ext>
             </a:extLst>
           </p:cNvPr>
@@ -7219,7 +6969,7 @@
           <a:p>
             <a:r>
               <a:rPr lang="en-US" dirty="0"/>
-              <a:t>Individual Contributions During The Entire Project</a:t>
+              <a:t>Individual Responsibilities of All Members For This Milestone</a:t>
             </a:r>
           </a:p>
         </p:txBody>
@@ -7229,7 +6979,7 @@
           <p:cNvPr id="3" name="Content Placeholder 2">
             <a:extLst>
               <a:ext uri="{FF2B5EF4-FFF2-40B4-BE49-F238E27FC236}">
-                <a16:creationId xmlns:a16="http://schemas.microsoft.com/office/drawing/2014/main" id="{BD2139C5-96F2-4750-BF7F-24F98811BF8D}"/>
+                <a16:creationId xmlns:a16="http://schemas.microsoft.com/office/drawing/2014/main" id="{DA87AE0C-F175-484B-8AB9-0D101B2037EE}"/>
               </a:ext>
             </a:extLst>
           </p:cNvPr>
@@ -7247,19 +6997,11 @@
           <a:p>
             <a:r>
               <a:rPr lang="it-IT" dirty="0"/>
-              <a:t>Gabriele: it was rough </a:t>
-            </a:r>
-            <a:r>
-              <a:rPr lang="it-IT" dirty="0" err="1"/>
-              <a:t>at</a:t>
-            </a:r>
-            <a:r>
-              <a:rPr lang="it-IT" dirty="0"/>
-              <a:t> the </a:t>
-            </a:r>
-            <a:r>
-              <a:rPr lang="it-IT" dirty="0" err="1"/>
-              <a:t>beginning</a:t>
+              <a:t>Gabriele </a:t>
+            </a:r>
+            <a:r>
+              <a:rPr lang="it-IT" dirty="0" err="1"/>
+              <a:t>has</a:t>
             </a:r>
             <a:r>
               <a:rPr lang="it-IT" dirty="0"/>
@@ -7267,6 +7009,46 @@
             </a:r>
             <a:r>
               <a:rPr lang="it-IT" dirty="0" err="1"/>
+              <a:t>fixed</a:t>
+            </a:r>
+            <a:r>
+              <a:rPr lang="it-IT" dirty="0"/>
+              <a:t> a </a:t>
+            </a:r>
+            <a:r>
+              <a:rPr lang="it-IT" dirty="0" err="1"/>
+              <a:t>problem</a:t>
+            </a:r>
+            <a:r>
+              <a:rPr lang="it-IT" dirty="0"/>
+              <a:t> with the </a:t>
+            </a:r>
+            <a:r>
+              <a:rPr lang="it-IT" dirty="0" err="1"/>
+              <a:t>deletion</a:t>
+            </a:r>
+            <a:r>
+              <a:rPr lang="it-IT" dirty="0"/>
+              <a:t> of the sound, </a:t>
+            </a:r>
+            <a:r>
+              <a:rPr lang="it-IT" dirty="0" err="1"/>
+              <a:t>earlier</a:t>
+            </a:r>
+            <a:r>
+              <a:rPr lang="it-IT" dirty="0"/>
+              <a:t> </a:t>
+            </a:r>
+            <a:r>
+              <a:rPr lang="it-IT" dirty="0" err="1"/>
+              <a:t>when</a:t>
+            </a:r>
+            <a:r>
+              <a:rPr lang="it-IT" dirty="0"/>
+              <a:t> </a:t>
+            </a:r>
+            <a:r>
+              <a:rPr lang="it-IT" dirty="0" err="1"/>
               <a:t>we</a:t>
             </a:r>
             <a:r>
@@ -7275,7 +7057,103 @@
             </a:r>
             <a:r>
               <a:rPr lang="it-IT" dirty="0" err="1"/>
-              <a:t>had</a:t>
+              <a:t>were</a:t>
+            </a:r>
+            <a:r>
+              <a:rPr lang="it-IT" dirty="0"/>
+              <a:t> </a:t>
+            </a:r>
+            <a:r>
+              <a:rPr lang="it-IT" dirty="0" err="1"/>
+              <a:t>clicking</a:t>
+            </a:r>
+            <a:r>
+              <a:rPr lang="it-IT" dirty="0"/>
+              <a:t> delete the stream </a:t>
+            </a:r>
+            <a:r>
+              <a:rPr lang="it-IT" dirty="0" err="1"/>
+              <a:t>would</a:t>
+            </a:r>
+            <a:r>
+              <a:rPr lang="it-IT" dirty="0"/>
+              <a:t> stay </a:t>
+            </a:r>
+            <a:r>
+              <a:rPr lang="it-IT" dirty="0" err="1"/>
+              <a:t>now</a:t>
+            </a:r>
+            <a:r>
+              <a:rPr lang="it-IT" dirty="0"/>
+              <a:t> </a:t>
+            </a:r>
+            <a:r>
+              <a:rPr lang="it-IT" dirty="0" err="1"/>
+              <a:t>when</a:t>
+            </a:r>
+            <a:r>
+              <a:rPr lang="it-IT" dirty="0"/>
+              <a:t> </a:t>
+            </a:r>
+            <a:r>
+              <a:rPr lang="it-IT" dirty="0" err="1"/>
+              <a:t>we</a:t>
+            </a:r>
+            <a:r>
+              <a:rPr lang="it-IT" dirty="0"/>
+              <a:t> delete the sound the stream </a:t>
+            </a:r>
+            <a:r>
+              <a:rPr lang="it-IT" dirty="0" err="1"/>
+              <a:t>goes</a:t>
+            </a:r>
+            <a:r>
+              <a:rPr lang="it-IT" dirty="0"/>
+              <a:t> </a:t>
+            </a:r>
+            <a:r>
+              <a:rPr lang="it-IT" dirty="0" err="1"/>
+              <a:t>away</a:t>
+            </a:r>
+            <a:r>
+              <a:rPr lang="it-IT" dirty="0"/>
+              <a:t> with it. Big part of this milestone was </a:t>
+            </a:r>
+            <a:r>
+              <a:rPr lang="it-IT" dirty="0" err="1"/>
+              <a:t>figuring</a:t>
+            </a:r>
+            <a:r>
+              <a:rPr lang="it-IT" dirty="0"/>
+              <a:t> out the test </a:t>
+            </a:r>
+            <a:r>
+              <a:rPr lang="it-IT" dirty="0" err="1"/>
+              <a:t>cases</a:t>
+            </a:r>
+            <a:r>
+              <a:rPr lang="it-IT" dirty="0"/>
+              <a:t> with </a:t>
+            </a:r>
+            <a:r>
+              <a:rPr lang="it-IT" dirty="0" err="1"/>
+              <a:t>mocha</a:t>
+            </a:r>
+            <a:r>
+              <a:rPr lang="it-IT" dirty="0"/>
+              <a:t>, it </a:t>
+            </a:r>
+            <a:r>
+              <a:rPr lang="it-IT" dirty="0" err="1"/>
+              <a:t>took</a:t>
+            </a:r>
+            <a:r>
+              <a:rPr lang="it-IT" dirty="0"/>
+              <a:t> </a:t>
+            </a:r>
+            <a:r>
+              <a:rPr lang="it-IT" dirty="0" err="1"/>
+              <a:t>him</a:t>
             </a:r>
             <a:r>
               <a:rPr lang="it-IT" dirty="0"/>
@@ -7283,19 +7161,51 @@
             </a:r>
             <a:r>
               <a:rPr lang="it-IT" dirty="0" err="1"/>
-              <a:t>lot</a:t>
-            </a:r>
-            <a:r>
-              <a:rPr lang="it-IT" dirty="0"/>
-              <a:t> of people </a:t>
-            </a:r>
-            <a:r>
-              <a:rPr lang="it-IT" dirty="0" err="1"/>
-              <a:t>dropping</a:t>
-            </a:r>
-            <a:r>
-              <a:rPr lang="it-IT" dirty="0"/>
-              <a:t> and </a:t>
+              <a:t>while</a:t>
+            </a:r>
+            <a:r>
+              <a:rPr lang="it-IT" dirty="0"/>
+              <a:t> but he </a:t>
+            </a:r>
+            <a:r>
+              <a:rPr lang="it-IT" dirty="0" err="1"/>
+              <a:t>figured</a:t>
+            </a:r>
+            <a:r>
+              <a:rPr lang="it-IT" dirty="0"/>
+              <a:t> it out. </a:t>
+            </a:r>
+            <a:r>
+              <a:rPr lang="it-IT" dirty="0" err="1"/>
+              <a:t>Also</a:t>
+            </a:r>
+            <a:r>
+              <a:rPr lang="it-IT" dirty="0"/>
+              <a:t> he </a:t>
+            </a:r>
+            <a:r>
+              <a:rPr lang="it-IT" dirty="0" err="1"/>
+              <a:t>found</a:t>
+            </a:r>
+            <a:r>
+              <a:rPr lang="it-IT" dirty="0"/>
+              <a:t> an online </a:t>
+            </a:r>
+            <a:r>
+              <a:rPr lang="it-IT" dirty="0" err="1"/>
+              <a:t>static</a:t>
+            </a:r>
+            <a:r>
+              <a:rPr lang="it-IT" dirty="0"/>
+              <a:t> </a:t>
+            </a:r>
+            <a:r>
+              <a:rPr lang="it-IT" dirty="0" err="1"/>
+              <a:t>analysis</a:t>
+            </a:r>
+            <a:r>
+              <a:rPr lang="it-IT" dirty="0"/>
+              <a:t> tool that </a:t>
             </a:r>
             <a:r>
               <a:rPr lang="it-IT" dirty="0" err="1"/>
@@ -7303,19 +7213,19 @@
             </a:r>
             <a:r>
               <a:rPr lang="it-IT" dirty="0"/>
+              <a:t> use to do </a:t>
+            </a:r>
+            <a:r>
+              <a:rPr lang="it-IT" dirty="0" err="1"/>
+              <a:t>our</a:t>
+            </a:r>
+            <a:r>
+              <a:rPr lang="it-IT" dirty="0"/>
               <a:t> </a:t>
             </a:r>
             <a:r>
               <a:rPr lang="it-IT" dirty="0" err="1"/>
-              <a:t>could</a:t>
-            </a:r>
-            <a:r>
-              <a:rPr lang="it-IT" dirty="0"/>
-              <a:t> not make up </a:t>
-            </a:r>
-            <a:r>
-              <a:rPr lang="it-IT" dirty="0" err="1"/>
-              <a:t>our</a:t>
+              <a:t>static</a:t>
             </a:r>
             <a:r>
               <a:rPr lang="it-IT" dirty="0"/>
@@ -7323,219 +7233,23 @@
             </a:r>
             <a:r>
               <a:rPr lang="it-IT" dirty="0" err="1"/>
-              <a:t>ideas</a:t>
-            </a:r>
-            <a:r>
-              <a:rPr lang="it-IT" dirty="0"/>
-              <a:t> on </a:t>
-            </a:r>
-            <a:r>
-              <a:rPr lang="it-IT" dirty="0" err="1"/>
-              <a:t>what</a:t>
-            </a:r>
-            <a:r>
-              <a:rPr lang="it-IT" dirty="0"/>
-              <a:t> to do. So, I </a:t>
-            </a:r>
-            <a:r>
-              <a:rPr lang="it-IT" dirty="0" err="1"/>
-              <a:t>took</a:t>
-            </a:r>
-            <a:r>
-              <a:rPr lang="it-IT" dirty="0"/>
-              <a:t> the lead and </a:t>
-            </a:r>
-            <a:r>
-              <a:rPr lang="it-IT" dirty="0" err="1"/>
-              <a:t>decided</a:t>
-            </a:r>
-            <a:r>
-              <a:rPr lang="it-IT" dirty="0"/>
-              <a:t> to do the </a:t>
-            </a:r>
-            <a:r>
-              <a:rPr lang="it-IT" dirty="0" err="1"/>
-              <a:t>given</a:t>
-            </a:r>
-            <a:r>
-              <a:rPr lang="it-IT" dirty="0"/>
-              <a:t> project in a web format. </a:t>
-            </a:r>
-            <a:r>
-              <a:rPr lang="it-IT" dirty="0" err="1"/>
-              <a:t>Develop</a:t>
-            </a:r>
-            <a:r>
-              <a:rPr lang="it-IT" dirty="0"/>
-              <a:t> the front-end and back-end. I was the </a:t>
-            </a:r>
-            <a:r>
-              <a:rPr lang="it-IT" dirty="0" err="1"/>
-              <a:t>manteiner</a:t>
-            </a:r>
-            <a:r>
-              <a:rPr lang="it-IT" dirty="0"/>
-              <a:t> for </a:t>
-            </a:r>
-            <a:r>
-              <a:rPr lang="it-IT" dirty="0" err="1"/>
-              <a:t>github</a:t>
-            </a:r>
-            <a:r>
-              <a:rPr lang="it-IT" dirty="0"/>
-              <a:t>. </a:t>
-            </a:r>
-            <a:r>
-              <a:rPr lang="it-IT" dirty="0" err="1"/>
-              <a:t>Created</a:t>
-            </a:r>
-            <a:r>
-              <a:rPr lang="it-IT" dirty="0"/>
-              <a:t> </a:t>
-            </a:r>
-            <a:r>
-              <a:rPr lang="it-IT" dirty="0" err="1"/>
-              <a:t>all</a:t>
-            </a:r>
-            <a:r>
-              <a:rPr lang="it-IT" dirty="0"/>
-              <a:t> the </a:t>
-            </a:r>
-            <a:r>
-              <a:rPr lang="it-IT" dirty="0" err="1"/>
-              <a:t>powerpoints</a:t>
-            </a:r>
-            <a:r>
-              <a:rPr lang="it-IT" dirty="0"/>
-              <a:t>. </a:t>
-            </a:r>
-            <a:r>
-              <a:rPr lang="it-IT" dirty="0" err="1"/>
-              <a:t>Develop</a:t>
-            </a:r>
-            <a:r>
-              <a:rPr lang="it-IT" dirty="0"/>
-              <a:t> the </a:t>
-            </a:r>
-            <a:r>
-              <a:rPr lang="it-IT" dirty="0" err="1"/>
-              <a:t>unit</a:t>
-            </a:r>
-            <a:r>
-              <a:rPr lang="it-IT" dirty="0"/>
-              <a:t> testing. </a:t>
-            </a:r>
-            <a:r>
-              <a:rPr lang="it-IT" dirty="0" err="1"/>
-              <a:t>Keep</a:t>
-            </a:r>
-            <a:r>
-              <a:rPr lang="it-IT" dirty="0"/>
-              <a:t> professors </a:t>
-            </a:r>
-            <a:r>
-              <a:rPr lang="it-IT" dirty="0" err="1"/>
-              <a:t>updated</a:t>
-            </a:r>
-            <a:r>
-              <a:rPr lang="it-IT" dirty="0"/>
-              <a:t> on the team situation. </a:t>
-            </a:r>
-            <a:r>
-              <a:rPr lang="it-IT" dirty="0" err="1"/>
-              <a:t>Try</a:t>
-            </a:r>
-            <a:r>
-              <a:rPr lang="it-IT" dirty="0"/>
-              <a:t> to </a:t>
-            </a:r>
-            <a:r>
-              <a:rPr lang="it-IT" dirty="0" err="1"/>
-              <a:t>find</a:t>
-            </a:r>
-            <a:r>
-              <a:rPr lang="it-IT" dirty="0"/>
-              <a:t> times </a:t>
-            </a:r>
-            <a:r>
-              <a:rPr lang="it-IT" dirty="0" err="1"/>
-              <a:t>every</a:t>
-            </a:r>
-            <a:r>
-              <a:rPr lang="it-IT" dirty="0"/>
-              <a:t> week </a:t>
-            </a:r>
-            <a:r>
-              <a:rPr lang="it-IT" dirty="0" err="1"/>
-              <a:t>where</a:t>
-            </a:r>
-            <a:r>
-              <a:rPr lang="it-IT" dirty="0"/>
-              <a:t> </a:t>
-            </a:r>
-            <a:r>
-              <a:rPr lang="it-IT" dirty="0" err="1"/>
-              <a:t>everybody</a:t>
-            </a:r>
-            <a:r>
-              <a:rPr lang="it-IT" dirty="0"/>
-              <a:t> </a:t>
-            </a:r>
-            <a:r>
-              <a:rPr lang="it-IT" dirty="0" err="1"/>
-              <a:t>could</a:t>
-            </a:r>
-            <a:r>
-              <a:rPr lang="it-IT" dirty="0"/>
-              <a:t> </a:t>
-            </a:r>
-            <a:r>
-              <a:rPr lang="it-IT" dirty="0" err="1"/>
-              <a:t>meet</a:t>
-            </a:r>
-            <a:r>
-              <a:rPr lang="it-IT" dirty="0"/>
-              <a:t>, </a:t>
-            </a:r>
-            <a:r>
-              <a:rPr lang="it-IT" dirty="0" err="1"/>
-              <a:t>when</a:t>
-            </a:r>
-            <a:r>
-              <a:rPr lang="it-IT" dirty="0"/>
-              <a:t> </a:t>
-            </a:r>
-            <a:r>
-              <a:rPr lang="it-IT" dirty="0" err="1"/>
-              <a:t>we</a:t>
-            </a:r>
-            <a:r>
-              <a:rPr lang="it-IT" dirty="0"/>
-              <a:t> </a:t>
-            </a:r>
-            <a:r>
-              <a:rPr lang="it-IT" dirty="0" err="1"/>
-              <a:t>were</a:t>
-            </a:r>
-            <a:r>
-              <a:rPr lang="it-IT" dirty="0"/>
-              <a:t> more </a:t>
-            </a:r>
-            <a:r>
-              <a:rPr lang="it-IT" dirty="0" err="1"/>
-              <a:t>than</a:t>
-            </a:r>
-            <a:r>
-              <a:rPr lang="it-IT" dirty="0"/>
-              <a:t> just </a:t>
-            </a:r>
-            <a:r>
-              <a:rPr lang="it-IT" dirty="0" err="1"/>
-              <a:t>two</a:t>
-            </a:r>
-            <a:r>
-              <a:rPr lang="it-IT" dirty="0"/>
-              <a:t>. </a:t>
+              <a:t>analysis</a:t>
+            </a:r>
+            <a:r>
+              <a:rPr lang="it-IT" dirty="0"/>
+              <a:t> part of the project. He </a:t>
+            </a:r>
+            <a:r>
+              <a:rPr lang="it-IT" dirty="0" err="1"/>
+              <a:t>launch</a:t>
+            </a:r>
+            <a:r>
+              <a:rPr lang="it-IT" dirty="0"/>
+              <a:t> the website on </a:t>
+            </a:r>
+            <a:r>
+              <a:rPr lang="it-IT" dirty="0" err="1"/>
+              <a:t>github.io</a:t>
             </a:r>
             <a:endParaRPr lang="en-US" dirty="0"/>
           </a:p>
@@ -7544,7 +7258,7 @@
     </p:spTree>
     <p:extLst>
       <p:ext uri="{BB962C8B-B14F-4D97-AF65-F5344CB8AC3E}">
-        <p14:creationId xmlns:p14="http://schemas.microsoft.com/office/powerpoint/2010/main" val="2082089089"/>
+        <p14:creationId xmlns:p14="http://schemas.microsoft.com/office/powerpoint/2010/main" val="875491310"/>
       </p:ext>
     </p:extLst>
   </p:cSld>
@@ -7576,6 +7290,381 @@
           <p:cNvPr id="2" name="Title 1">
             <a:extLst>
               <a:ext uri="{FF2B5EF4-FFF2-40B4-BE49-F238E27FC236}">
+                <a16:creationId xmlns:a16="http://schemas.microsoft.com/office/drawing/2014/main" id="{ECA6F8B9-F1BA-4D70-8DBE-E1853B9D1A0A}"/>
+              </a:ext>
+            </a:extLst>
+          </p:cNvPr>
+          <p:cNvSpPr>
+            <a:spLocks noGrp="1"/>
+          </p:cNvSpPr>
+          <p:nvPr>
+            <p:ph type="title"/>
+          </p:nvPr>
+        </p:nvSpPr>
+        <p:spPr/>
+        <p:txBody>
+          <a:bodyPr/>
+          <a:lstStyle/>
+          <a:p>
+            <a:r>
+              <a:rPr lang="en-US" dirty="0"/>
+              <a:t>Individual Contributions During The Entire Project</a:t>
+            </a:r>
+          </a:p>
+        </p:txBody>
+      </p:sp>
+      <p:sp>
+        <p:nvSpPr>
+          <p:cNvPr id="3" name="Content Placeholder 2">
+            <a:extLst>
+              <a:ext uri="{FF2B5EF4-FFF2-40B4-BE49-F238E27FC236}">
+                <a16:creationId xmlns:a16="http://schemas.microsoft.com/office/drawing/2014/main" id="{BD2139C5-96F2-4750-BF7F-24F98811BF8D}"/>
+              </a:ext>
+            </a:extLst>
+          </p:cNvPr>
+          <p:cNvSpPr>
+            <a:spLocks noGrp="1"/>
+          </p:cNvSpPr>
+          <p:nvPr>
+            <p:ph idx="1"/>
+          </p:nvPr>
+        </p:nvSpPr>
+        <p:spPr/>
+        <p:txBody>
+          <a:bodyPr/>
+          <a:lstStyle/>
+          <a:p>
+            <a:r>
+              <a:rPr lang="it-IT" dirty="0"/>
+              <a:t>Gabriele: it was rough </a:t>
+            </a:r>
+            <a:r>
+              <a:rPr lang="it-IT" dirty="0" err="1"/>
+              <a:t>at</a:t>
+            </a:r>
+            <a:r>
+              <a:rPr lang="it-IT" dirty="0"/>
+              <a:t> the </a:t>
+            </a:r>
+            <a:r>
+              <a:rPr lang="it-IT" dirty="0" err="1"/>
+              <a:t>beginning</a:t>
+            </a:r>
+            <a:r>
+              <a:rPr lang="it-IT" dirty="0"/>
+              <a:t> </a:t>
+            </a:r>
+            <a:r>
+              <a:rPr lang="it-IT" dirty="0" err="1"/>
+              <a:t>we</a:t>
+            </a:r>
+            <a:r>
+              <a:rPr lang="it-IT" dirty="0"/>
+              <a:t> </a:t>
+            </a:r>
+            <a:r>
+              <a:rPr lang="it-IT" dirty="0" err="1"/>
+              <a:t>had</a:t>
+            </a:r>
+            <a:r>
+              <a:rPr lang="it-IT" dirty="0"/>
+              <a:t> a </a:t>
+            </a:r>
+            <a:r>
+              <a:rPr lang="it-IT" dirty="0" err="1"/>
+              <a:t>lot</a:t>
+            </a:r>
+            <a:r>
+              <a:rPr lang="it-IT" dirty="0"/>
+              <a:t> of people </a:t>
+            </a:r>
+            <a:r>
+              <a:rPr lang="it-IT" dirty="0" err="1"/>
+              <a:t>dropping</a:t>
+            </a:r>
+            <a:r>
+              <a:rPr lang="it-IT" dirty="0"/>
+              <a:t> and </a:t>
+            </a:r>
+            <a:r>
+              <a:rPr lang="it-IT" dirty="0" err="1"/>
+              <a:t>we</a:t>
+            </a:r>
+            <a:r>
+              <a:rPr lang="it-IT" dirty="0"/>
+              <a:t> </a:t>
+            </a:r>
+            <a:r>
+              <a:rPr lang="it-IT" dirty="0" err="1"/>
+              <a:t>could</a:t>
+            </a:r>
+            <a:r>
+              <a:rPr lang="it-IT" dirty="0"/>
+              <a:t> not make up </a:t>
+            </a:r>
+            <a:r>
+              <a:rPr lang="it-IT" dirty="0" err="1"/>
+              <a:t>our</a:t>
+            </a:r>
+            <a:r>
+              <a:rPr lang="it-IT" dirty="0"/>
+              <a:t> </a:t>
+            </a:r>
+            <a:r>
+              <a:rPr lang="it-IT" dirty="0" err="1"/>
+              <a:t>ideas</a:t>
+            </a:r>
+            <a:r>
+              <a:rPr lang="it-IT" dirty="0"/>
+              <a:t> on </a:t>
+            </a:r>
+            <a:r>
+              <a:rPr lang="it-IT" dirty="0" err="1"/>
+              <a:t>what</a:t>
+            </a:r>
+            <a:r>
+              <a:rPr lang="it-IT" dirty="0"/>
+              <a:t> to do. So, I </a:t>
+            </a:r>
+            <a:r>
+              <a:rPr lang="it-IT" dirty="0" err="1"/>
+              <a:t>took</a:t>
+            </a:r>
+            <a:r>
+              <a:rPr lang="it-IT" dirty="0"/>
+              <a:t> the lead and </a:t>
+            </a:r>
+            <a:r>
+              <a:rPr lang="it-IT" dirty="0" err="1"/>
+              <a:t>decided</a:t>
+            </a:r>
+            <a:r>
+              <a:rPr lang="it-IT" dirty="0"/>
+              <a:t> to do the </a:t>
+            </a:r>
+            <a:r>
+              <a:rPr lang="it-IT" dirty="0" err="1"/>
+              <a:t>given</a:t>
+            </a:r>
+            <a:r>
+              <a:rPr lang="it-IT" dirty="0"/>
+              <a:t> project in a web format. </a:t>
+            </a:r>
+            <a:r>
+              <a:rPr lang="it-IT" dirty="0" err="1"/>
+              <a:t>Develop</a:t>
+            </a:r>
+            <a:r>
+              <a:rPr lang="it-IT" dirty="0"/>
+              <a:t> the front-end and back-end. I was the </a:t>
+            </a:r>
+            <a:r>
+              <a:rPr lang="it-IT" dirty="0" err="1"/>
+              <a:t>manteiner</a:t>
+            </a:r>
+            <a:r>
+              <a:rPr lang="it-IT" dirty="0"/>
+              <a:t> for </a:t>
+            </a:r>
+            <a:r>
+              <a:rPr lang="it-IT" dirty="0" err="1"/>
+              <a:t>github</a:t>
+            </a:r>
+            <a:r>
+              <a:rPr lang="it-IT" dirty="0"/>
+              <a:t>. </a:t>
+            </a:r>
+            <a:r>
+              <a:rPr lang="it-IT" dirty="0" err="1"/>
+              <a:t>Created</a:t>
+            </a:r>
+            <a:r>
+              <a:rPr lang="it-IT" dirty="0"/>
+              <a:t> </a:t>
+            </a:r>
+            <a:r>
+              <a:rPr lang="it-IT" dirty="0" err="1"/>
+              <a:t>all</a:t>
+            </a:r>
+            <a:r>
+              <a:rPr lang="it-IT" dirty="0"/>
+              <a:t> the </a:t>
+            </a:r>
+            <a:r>
+              <a:rPr lang="it-IT" dirty="0" err="1"/>
+              <a:t>powerpoints</a:t>
+            </a:r>
+            <a:r>
+              <a:rPr lang="it-IT" dirty="0"/>
+              <a:t>. </a:t>
+            </a:r>
+            <a:r>
+              <a:rPr lang="it-IT" dirty="0" err="1"/>
+              <a:t>Develop</a:t>
+            </a:r>
+            <a:r>
+              <a:rPr lang="it-IT" dirty="0"/>
+              <a:t> the </a:t>
+            </a:r>
+            <a:r>
+              <a:rPr lang="it-IT" dirty="0" err="1"/>
+              <a:t>unit</a:t>
+            </a:r>
+            <a:r>
+              <a:rPr lang="it-IT" dirty="0"/>
+              <a:t> testing. </a:t>
+            </a:r>
+            <a:r>
+              <a:rPr lang="it-IT" dirty="0" err="1"/>
+              <a:t>Keep</a:t>
+            </a:r>
+            <a:r>
+              <a:rPr lang="it-IT" dirty="0"/>
+              <a:t> professors </a:t>
+            </a:r>
+            <a:r>
+              <a:rPr lang="it-IT" dirty="0" err="1"/>
+              <a:t>updated</a:t>
+            </a:r>
+            <a:r>
+              <a:rPr lang="it-IT" dirty="0"/>
+              <a:t> on the team situation. </a:t>
+            </a:r>
+            <a:r>
+              <a:rPr lang="it-IT" dirty="0" err="1"/>
+              <a:t>Try</a:t>
+            </a:r>
+            <a:r>
+              <a:rPr lang="it-IT" dirty="0"/>
+              <a:t> to </a:t>
+            </a:r>
+            <a:r>
+              <a:rPr lang="it-IT" dirty="0" err="1"/>
+              <a:t>find</a:t>
+            </a:r>
+            <a:r>
+              <a:rPr lang="it-IT" dirty="0"/>
+              <a:t> times </a:t>
+            </a:r>
+            <a:r>
+              <a:rPr lang="it-IT" dirty="0" err="1"/>
+              <a:t>every</a:t>
+            </a:r>
+            <a:r>
+              <a:rPr lang="it-IT" dirty="0"/>
+              <a:t> week </a:t>
+            </a:r>
+            <a:r>
+              <a:rPr lang="it-IT" dirty="0" err="1"/>
+              <a:t>where</a:t>
+            </a:r>
+            <a:r>
+              <a:rPr lang="it-IT" dirty="0"/>
+              <a:t> </a:t>
+            </a:r>
+            <a:r>
+              <a:rPr lang="it-IT" dirty="0" err="1"/>
+              <a:t>everybody</a:t>
+            </a:r>
+            <a:r>
+              <a:rPr lang="it-IT" dirty="0"/>
+              <a:t> </a:t>
+            </a:r>
+            <a:r>
+              <a:rPr lang="it-IT" dirty="0" err="1"/>
+              <a:t>could</a:t>
+            </a:r>
+            <a:r>
+              <a:rPr lang="it-IT" dirty="0"/>
+              <a:t> </a:t>
+            </a:r>
+            <a:r>
+              <a:rPr lang="it-IT" dirty="0" err="1"/>
+              <a:t>meet</a:t>
+            </a:r>
+            <a:r>
+              <a:rPr lang="it-IT" dirty="0"/>
+              <a:t>, </a:t>
+            </a:r>
+            <a:r>
+              <a:rPr lang="it-IT" dirty="0" err="1"/>
+              <a:t>when</a:t>
+            </a:r>
+            <a:r>
+              <a:rPr lang="it-IT" dirty="0"/>
+              <a:t> </a:t>
+            </a:r>
+            <a:r>
+              <a:rPr lang="it-IT" dirty="0" err="1"/>
+              <a:t>we</a:t>
+            </a:r>
+            <a:r>
+              <a:rPr lang="it-IT" dirty="0"/>
+              <a:t> </a:t>
+            </a:r>
+            <a:r>
+              <a:rPr lang="it-IT" dirty="0" err="1"/>
+              <a:t>were</a:t>
+            </a:r>
+            <a:r>
+              <a:rPr lang="it-IT" dirty="0"/>
+              <a:t> more </a:t>
+            </a:r>
+            <a:r>
+              <a:rPr lang="it-IT" dirty="0" err="1"/>
+              <a:t>than</a:t>
+            </a:r>
+            <a:r>
+              <a:rPr lang="it-IT" dirty="0"/>
+              <a:t> just </a:t>
+            </a:r>
+            <a:r>
+              <a:rPr lang="it-IT" dirty="0" err="1"/>
+              <a:t>two</a:t>
+            </a:r>
+            <a:r>
+              <a:rPr lang="it-IT" dirty="0"/>
+              <a:t>. </a:t>
+            </a:r>
+            <a:endParaRPr lang="en-US" dirty="0"/>
+          </a:p>
+        </p:txBody>
+      </p:sp>
+    </p:spTree>
+    <p:extLst>
+      <p:ext uri="{BB962C8B-B14F-4D97-AF65-F5344CB8AC3E}">
+        <p14:creationId xmlns:p14="http://schemas.microsoft.com/office/powerpoint/2010/main" val="2082089089"/>
+      </p:ext>
+    </p:extLst>
+  </p:cSld>
+  <p:clrMapOvr>
+    <a:masterClrMapping/>
+  </p:clrMapOvr>
+</p:sld>
+</file>
+
+<file path=ppt/slides/slide7.xml><?xml version="1.0" encoding="utf-8"?>
+<p:sld xmlns:a="http://schemas.openxmlformats.org/drawingml/2006/main" xmlns:r="http://schemas.openxmlformats.org/officeDocument/2006/relationships" xmlns:p="http://schemas.openxmlformats.org/presentationml/2006/main">
+  <p:cSld>
+    <p:spTree>
+      <p:nvGrpSpPr>
+        <p:cNvPr id="1" name=""/>
+        <p:cNvGrpSpPr/>
+        <p:nvPr/>
+      </p:nvGrpSpPr>
+      <p:grpSpPr>
+        <a:xfrm>
+          <a:off x="0" y="0"/>
+          <a:ext cx="0" cy="0"/>
+          <a:chOff x="0" y="0"/>
+          <a:chExt cx="0" cy="0"/>
+        </a:xfrm>
+      </p:grpSpPr>
+      <p:sp>
+        <p:nvSpPr>
+          <p:cNvPr id="2" name="Title 1">
+            <a:extLst>
+              <a:ext uri="{FF2B5EF4-FFF2-40B4-BE49-F238E27FC236}">
                 <a16:creationId xmlns:a16="http://schemas.microsoft.com/office/drawing/2014/main" id="{370E1B98-F105-42AF-9F70-41FAABDD925F}"/>
               </a:ext>
             </a:extLst>
@@ -7681,7 +7770,7 @@
 </p:sld>
 </file>
 
-<file path=ppt/slides/slide7.xml><?xml version="1.0" encoding="utf-8"?>
+<file path=ppt/slides/slide8.xml><?xml version="1.0" encoding="utf-8"?>
 <p:sld xmlns:a="http://schemas.openxmlformats.org/drawingml/2006/main" xmlns:r="http://schemas.openxmlformats.org/officeDocument/2006/relationships" xmlns:p="http://schemas.openxmlformats.org/presentationml/2006/main">
   <p:cSld>
     <p:spTree>

--- a/Final Milestone.pptx
+++ b/Final Milestone.pptx
@@ -5906,7 +5906,7 @@
           <a:p>
             <a:r>
               <a:rPr lang="it-IT" dirty="0"/>
-              <a:t>Gabriele Chiossi</a:t>
+              <a:t>Gabriele Chiossi and Ben Marschall</a:t>
             </a:r>
             <a:endParaRPr lang="en-US" dirty="0"/>
           </a:p>
@@ -6001,7 +6001,7 @@
             </a:r>
             <a:r>
               <a:rPr lang="en-US" dirty="0"/>
-              <a:t> to edit all our files. As well as a browser to look at the changes that we put in our code.</a:t>
+              <a:t> and VS to edit all our files. As well as a browser to look at the changes that we put in our code.</a:t>
             </a:r>
           </a:p>
           <a:p>
@@ -6997,11 +6997,35 @@
           <a:p>
             <a:r>
               <a:rPr lang="it-IT" dirty="0"/>
-              <a:t>Gabriele </a:t>
+              <a:t>Gabriele has fixed a problem with the deletion of the soundclips. Earlier when we were clicking delete the stream would stay, now when we delete the sound the stream goes away with it. Big part of this milestone was </a:t>
             </a:r>
             <a:r>
               <a:rPr lang="it-IT" dirty="0" err="1"/>
-              <a:t>has</a:t>
+              <a:t>figuring</a:t>
+            </a:r>
+            <a:r>
+              <a:rPr lang="it-IT" dirty="0"/>
+              <a:t> out the test </a:t>
+            </a:r>
+            <a:r>
+              <a:rPr lang="it-IT" dirty="0" err="1"/>
+              <a:t>cases</a:t>
+            </a:r>
+            <a:r>
+              <a:rPr lang="it-IT" dirty="0"/>
+              <a:t> with </a:t>
+            </a:r>
+            <a:r>
+              <a:rPr lang="it-IT" dirty="0" err="1"/>
+              <a:t>mocha</a:t>
+            </a:r>
+            <a:r>
+              <a:rPr lang="it-IT" dirty="0"/>
+              <a:t>, it </a:t>
+            </a:r>
+            <a:r>
+              <a:rPr lang="it-IT" dirty="0" err="1"/>
+              <a:t>took</a:t>
             </a:r>
             <a:r>
               <a:rPr lang="it-IT" dirty="0"/>
@@ -7009,7 +7033,7 @@
             </a:r>
             <a:r>
               <a:rPr lang="it-IT" dirty="0" err="1"/>
-              <a:t>fixed</a:t>
+              <a:t>him</a:t>
             </a:r>
             <a:r>
               <a:rPr lang="it-IT" dirty="0"/>
@@ -7017,23 +7041,39 @@
             </a:r>
             <a:r>
               <a:rPr lang="it-IT" dirty="0" err="1"/>
-              <a:t>problem</a:t>
+              <a:t>while</a:t>
             </a:r>
             <a:r>
               <a:rPr lang="it-IT" dirty="0"/>
-              <a:t> with the </a:t>
+              <a:t> but he </a:t>
             </a:r>
             <a:r>
               <a:rPr lang="it-IT" dirty="0" err="1"/>
-              <a:t>deletion</a:t>
+              <a:t>figured</a:t>
             </a:r>
             <a:r>
               <a:rPr lang="it-IT" dirty="0"/>
-              <a:t> of the sound, </a:t>
+              <a:t> it out. </a:t>
             </a:r>
             <a:r>
               <a:rPr lang="it-IT" dirty="0" err="1"/>
-              <a:t>earlier</a:t>
+              <a:t>Also</a:t>
+            </a:r>
+            <a:r>
+              <a:rPr lang="it-IT" dirty="0"/>
+              <a:t> he </a:t>
+            </a:r>
+            <a:r>
+              <a:rPr lang="it-IT" dirty="0" err="1"/>
+              <a:t>found</a:t>
+            </a:r>
+            <a:r>
+              <a:rPr lang="it-IT" dirty="0"/>
+              <a:t> an online </a:t>
+            </a:r>
+            <a:r>
+              <a:rPr lang="it-IT" dirty="0" err="1"/>
+              <a:t>static</a:t>
             </a:r>
             <a:r>
               <a:rPr lang="it-IT" dirty="0"/>
@@ -7041,7 +7081,23 @@
             </a:r>
             <a:r>
               <a:rPr lang="it-IT" dirty="0" err="1"/>
-              <a:t>when</a:t>
+              <a:t>analysis</a:t>
+            </a:r>
+            <a:r>
+              <a:rPr lang="it-IT" dirty="0"/>
+              <a:t> tool that </a:t>
+            </a:r>
+            <a:r>
+              <a:rPr lang="it-IT" dirty="0" err="1"/>
+              <a:t>we</a:t>
+            </a:r>
+            <a:r>
+              <a:rPr lang="it-IT" dirty="0"/>
+              <a:t> use to do </a:t>
+            </a:r>
+            <a:r>
+              <a:rPr lang="it-IT" dirty="0" err="1"/>
+              <a:t>our</a:t>
             </a:r>
             <a:r>
               <a:rPr lang="it-IT" dirty="0"/>
@@ -7049,7 +7105,7 @@
             </a:r>
             <a:r>
               <a:rPr lang="it-IT" dirty="0" err="1"/>
-              <a:t>we</a:t>
+              <a:t>static</a:t>
             </a:r>
             <a:r>
               <a:rPr lang="it-IT" dirty="0"/>
@@ -7057,199 +7113,17 @@
             </a:r>
             <a:r>
               <a:rPr lang="it-IT" dirty="0" err="1"/>
-              <a:t>were</a:t>
+              <a:t>analysis</a:t>
             </a:r>
             <a:r>
               <a:rPr lang="it-IT" dirty="0"/>
-              <a:t> </a:t>
-            </a:r>
-            <a:r>
-              <a:rPr lang="it-IT" dirty="0" err="1"/>
-              <a:t>clicking</a:t>
-            </a:r>
+              <a:t> part of the project. He launched the website on github.io</a:t>
+            </a:r>
+          </a:p>
+          <a:p>
             <a:r>
               <a:rPr lang="it-IT" dirty="0"/>
-              <a:t> delete the stream </a:t>
-            </a:r>
-            <a:r>
-              <a:rPr lang="it-IT" dirty="0" err="1"/>
-              <a:t>would</a:t>
-            </a:r>
-            <a:r>
-              <a:rPr lang="it-IT" dirty="0"/>
-              <a:t> stay </a:t>
-            </a:r>
-            <a:r>
-              <a:rPr lang="it-IT" dirty="0" err="1"/>
-              <a:t>now</a:t>
-            </a:r>
-            <a:r>
-              <a:rPr lang="it-IT" dirty="0"/>
-              <a:t> </a:t>
-            </a:r>
-            <a:r>
-              <a:rPr lang="it-IT" dirty="0" err="1"/>
-              <a:t>when</a:t>
-            </a:r>
-            <a:r>
-              <a:rPr lang="it-IT" dirty="0"/>
-              <a:t> </a:t>
-            </a:r>
-            <a:r>
-              <a:rPr lang="it-IT" dirty="0" err="1"/>
-              <a:t>we</a:t>
-            </a:r>
-            <a:r>
-              <a:rPr lang="it-IT" dirty="0"/>
-              <a:t> delete the sound the stream </a:t>
-            </a:r>
-            <a:r>
-              <a:rPr lang="it-IT" dirty="0" err="1"/>
-              <a:t>goes</a:t>
-            </a:r>
-            <a:r>
-              <a:rPr lang="it-IT" dirty="0"/>
-              <a:t> </a:t>
-            </a:r>
-            <a:r>
-              <a:rPr lang="it-IT" dirty="0" err="1"/>
-              <a:t>away</a:t>
-            </a:r>
-            <a:r>
-              <a:rPr lang="it-IT" dirty="0"/>
-              <a:t> with it. Big part of this milestone was </a:t>
-            </a:r>
-            <a:r>
-              <a:rPr lang="it-IT" dirty="0" err="1"/>
-              <a:t>figuring</a:t>
-            </a:r>
-            <a:r>
-              <a:rPr lang="it-IT" dirty="0"/>
-              <a:t> out the test </a:t>
-            </a:r>
-            <a:r>
-              <a:rPr lang="it-IT" dirty="0" err="1"/>
-              <a:t>cases</a:t>
-            </a:r>
-            <a:r>
-              <a:rPr lang="it-IT" dirty="0"/>
-              <a:t> with </a:t>
-            </a:r>
-            <a:r>
-              <a:rPr lang="it-IT" dirty="0" err="1"/>
-              <a:t>mocha</a:t>
-            </a:r>
-            <a:r>
-              <a:rPr lang="it-IT" dirty="0"/>
-              <a:t>, it </a:t>
-            </a:r>
-            <a:r>
-              <a:rPr lang="it-IT" dirty="0" err="1"/>
-              <a:t>took</a:t>
-            </a:r>
-            <a:r>
-              <a:rPr lang="it-IT" dirty="0"/>
-              <a:t> </a:t>
-            </a:r>
-            <a:r>
-              <a:rPr lang="it-IT" dirty="0" err="1"/>
-              <a:t>him</a:t>
-            </a:r>
-            <a:r>
-              <a:rPr lang="it-IT" dirty="0"/>
-              <a:t> a </a:t>
-            </a:r>
-            <a:r>
-              <a:rPr lang="it-IT" dirty="0" err="1"/>
-              <a:t>while</a:t>
-            </a:r>
-            <a:r>
-              <a:rPr lang="it-IT" dirty="0"/>
-              <a:t> but he </a:t>
-            </a:r>
-            <a:r>
-              <a:rPr lang="it-IT" dirty="0" err="1"/>
-              <a:t>figured</a:t>
-            </a:r>
-            <a:r>
-              <a:rPr lang="it-IT" dirty="0"/>
-              <a:t> it out. </a:t>
-            </a:r>
-            <a:r>
-              <a:rPr lang="it-IT" dirty="0" err="1"/>
-              <a:t>Also</a:t>
-            </a:r>
-            <a:r>
-              <a:rPr lang="it-IT" dirty="0"/>
-              <a:t> he </a:t>
-            </a:r>
-            <a:r>
-              <a:rPr lang="it-IT" dirty="0" err="1"/>
-              <a:t>found</a:t>
-            </a:r>
-            <a:r>
-              <a:rPr lang="it-IT" dirty="0"/>
-              <a:t> an online </a:t>
-            </a:r>
-            <a:r>
-              <a:rPr lang="it-IT" dirty="0" err="1"/>
-              <a:t>static</a:t>
-            </a:r>
-            <a:r>
-              <a:rPr lang="it-IT" dirty="0"/>
-              <a:t> </a:t>
-            </a:r>
-            <a:r>
-              <a:rPr lang="it-IT" dirty="0" err="1"/>
-              <a:t>analysis</a:t>
-            </a:r>
-            <a:r>
-              <a:rPr lang="it-IT" dirty="0"/>
-              <a:t> tool that </a:t>
-            </a:r>
-            <a:r>
-              <a:rPr lang="it-IT" dirty="0" err="1"/>
-              <a:t>we</a:t>
-            </a:r>
-            <a:r>
-              <a:rPr lang="it-IT" dirty="0"/>
-              <a:t> use to do </a:t>
-            </a:r>
-            <a:r>
-              <a:rPr lang="it-IT" dirty="0" err="1"/>
-              <a:t>our</a:t>
-            </a:r>
-            <a:r>
-              <a:rPr lang="it-IT" dirty="0"/>
-              <a:t> </a:t>
-            </a:r>
-            <a:r>
-              <a:rPr lang="it-IT" dirty="0" err="1"/>
-              <a:t>static</a:t>
-            </a:r>
-            <a:r>
-              <a:rPr lang="it-IT" dirty="0"/>
-              <a:t> </a:t>
-            </a:r>
-            <a:r>
-              <a:rPr lang="it-IT" dirty="0" err="1"/>
-              <a:t>analysis</a:t>
-            </a:r>
-            <a:r>
-              <a:rPr lang="it-IT" dirty="0"/>
-              <a:t> part of the project. He </a:t>
-            </a:r>
-            <a:r>
-              <a:rPr lang="it-IT" dirty="0" err="1"/>
-              <a:t>launch</a:t>
-            </a:r>
-            <a:r>
-              <a:rPr lang="it-IT" dirty="0"/>
-              <a:t> the website on </a:t>
-            </a:r>
-            <a:r>
-              <a:rPr lang="it-IT" dirty="0" err="1"/>
-              <a:t>github.io</a:t>
+              <a:t>Ben fixed issue regarding how the visualizers would stack on top of each other and be seperated from their sound bars. Added Text hyperlink linking recording section of page</a:t>
             </a:r>
             <a:endParaRPr lang="en-US" dirty="0"/>
           </a:p>
@@ -7424,31 +7298,7 @@
             </a:r>
             <a:r>
               <a:rPr lang="it-IT" dirty="0"/>
-              <a:t> to do. So, I </a:t>
-            </a:r>
-            <a:r>
-              <a:rPr lang="it-IT" dirty="0" err="1"/>
-              <a:t>took</a:t>
-            </a:r>
-            <a:r>
-              <a:rPr lang="it-IT" dirty="0"/>
-              <a:t> the lead and </a:t>
-            </a:r>
-            <a:r>
-              <a:rPr lang="it-IT" dirty="0" err="1"/>
-              <a:t>decided</a:t>
-            </a:r>
-            <a:r>
-              <a:rPr lang="it-IT" dirty="0"/>
-              <a:t> to do the </a:t>
-            </a:r>
-            <a:r>
-              <a:rPr lang="it-IT" dirty="0" err="1"/>
-              <a:t>given</a:t>
-            </a:r>
-            <a:r>
-              <a:rPr lang="it-IT" dirty="0"/>
-              <a:t> project in a web format. </a:t>
+              <a:t> to do. So, I took the lead and decided to do the given project in a web format. Developed the front-end and back-end. I was the mantainer for github. Created most of the powerpoints. </a:t>
             </a:r>
             <a:r>
               <a:rPr lang="it-IT" dirty="0" err="1"/>
@@ -7456,54 +7306,6 @@
             </a:r>
             <a:r>
               <a:rPr lang="it-IT" dirty="0"/>
-              <a:t> the front-end and back-end. I was the </a:t>
-            </a:r>
-            <a:r>
-              <a:rPr lang="it-IT" dirty="0" err="1"/>
-              <a:t>manteiner</a:t>
-            </a:r>
-            <a:r>
-              <a:rPr lang="it-IT" dirty="0"/>
-              <a:t> for </a:t>
-            </a:r>
-            <a:r>
-              <a:rPr lang="it-IT" dirty="0" err="1"/>
-              <a:t>github</a:t>
-            </a:r>
-            <a:r>
-              <a:rPr lang="it-IT" dirty="0"/>
-              <a:t>. </a:t>
-            </a:r>
-            <a:r>
-              <a:rPr lang="it-IT" dirty="0" err="1"/>
-              <a:t>Created</a:t>
-            </a:r>
-            <a:r>
-              <a:rPr lang="it-IT" dirty="0"/>
-              <a:t> </a:t>
-            </a:r>
-            <a:r>
-              <a:rPr lang="it-IT" dirty="0" err="1"/>
-              <a:t>all</a:t>
-            </a:r>
-            <a:r>
-              <a:rPr lang="it-IT" dirty="0"/>
-              <a:t> the </a:t>
-            </a:r>
-            <a:r>
-              <a:rPr lang="it-IT" dirty="0" err="1"/>
-              <a:t>powerpoints</a:t>
-            </a:r>
-            <a:r>
-              <a:rPr lang="it-IT" dirty="0"/>
-              <a:t>. </a:t>
-            </a:r>
-            <a:r>
-              <a:rPr lang="it-IT" dirty="0" err="1"/>
-              <a:t>Develop</a:t>
-            </a:r>
-            <a:r>
-              <a:rPr lang="it-IT" dirty="0"/>
               <a:t> the </a:t>
             </a:r>
             <a:r>
@@ -7528,103 +7330,13 @@
             </a:r>
             <a:r>
               <a:rPr lang="it-IT" dirty="0"/>
-              <a:t> on the team situation. </a:t>
-            </a:r>
-            <a:r>
-              <a:rPr lang="it-IT" dirty="0" err="1"/>
-              <a:t>Try</a:t>
-            </a:r>
+              <a:t> on the team situation. Try to find times every week where everybody could meet, when we were more than just two. </a:t>
+            </a:r>
+          </a:p>
+          <a:p>
             <a:r>
               <a:rPr lang="it-IT" dirty="0"/>
-              <a:t> to </a:t>
-            </a:r>
-            <a:r>
-              <a:rPr lang="it-IT" dirty="0" err="1"/>
-              <a:t>find</a:t>
-            </a:r>
-            <a:r>
-              <a:rPr lang="it-IT" dirty="0"/>
-              <a:t> times </a:t>
-            </a:r>
-            <a:r>
-              <a:rPr lang="it-IT" dirty="0" err="1"/>
-              <a:t>every</a:t>
-            </a:r>
-            <a:r>
-              <a:rPr lang="it-IT" dirty="0"/>
-              <a:t> week </a:t>
-            </a:r>
-            <a:r>
-              <a:rPr lang="it-IT" dirty="0" err="1"/>
-              <a:t>where</a:t>
-            </a:r>
-            <a:r>
-              <a:rPr lang="it-IT" dirty="0"/>
-              <a:t> </a:t>
-            </a:r>
-            <a:r>
-              <a:rPr lang="it-IT" dirty="0" err="1"/>
-              <a:t>everybody</a:t>
-            </a:r>
-            <a:r>
-              <a:rPr lang="it-IT" dirty="0"/>
-              <a:t> </a:t>
-            </a:r>
-            <a:r>
-              <a:rPr lang="it-IT" dirty="0" err="1"/>
-              <a:t>could</a:t>
-            </a:r>
-            <a:r>
-              <a:rPr lang="it-IT" dirty="0"/>
-              <a:t> </a:t>
-            </a:r>
-            <a:r>
-              <a:rPr lang="it-IT" dirty="0" err="1"/>
-              <a:t>meet</a:t>
-            </a:r>
-            <a:r>
-              <a:rPr lang="it-IT" dirty="0"/>
-              <a:t>, </a:t>
-            </a:r>
-            <a:r>
-              <a:rPr lang="it-IT" dirty="0" err="1"/>
-              <a:t>when</a:t>
-            </a:r>
-            <a:r>
-              <a:rPr lang="it-IT" dirty="0"/>
-              <a:t> </a:t>
-            </a:r>
-            <a:r>
-              <a:rPr lang="it-IT" dirty="0" err="1"/>
-              <a:t>we</a:t>
-            </a:r>
-            <a:r>
-              <a:rPr lang="it-IT" dirty="0"/>
-              <a:t> </a:t>
-            </a:r>
-            <a:r>
-              <a:rPr lang="it-IT" dirty="0" err="1"/>
-              <a:t>were</a:t>
-            </a:r>
-            <a:r>
-              <a:rPr lang="it-IT" dirty="0"/>
-              <a:t> more </a:t>
-            </a:r>
-            <a:r>
-              <a:rPr lang="it-IT" dirty="0" err="1"/>
-              <a:t>than</a:t>
-            </a:r>
-            <a:r>
-              <a:rPr lang="it-IT" dirty="0"/>
-              <a:t> just </a:t>
-            </a:r>
-            <a:r>
-              <a:rPr lang="it-IT" dirty="0" err="1"/>
-              <a:t>two</a:t>
-            </a:r>
-            <a:r>
-              <a:rPr lang="it-IT" dirty="0"/>
-              <a:t>. </a:t>
+              <a:t>Ben: Edited powerpoints for grammar and spelling, Fixed a few minor issues especially with formatting of the index html </a:t>
             </a:r>
             <a:endParaRPr lang="en-US" dirty="0"/>
           </a:p>
@@ -7729,15 +7441,7 @@
           <a:p>
             <a:r>
               <a:rPr lang="en-US" dirty="0"/>
-              <a:t>TEAMS (to </a:t>
-            </a:r>
-            <a:r>
-              <a:rPr lang="en-US" dirty="0" err="1"/>
-              <a:t>comunicate</a:t>
-            </a:r>
-            <a:r>
-              <a:rPr lang="en-US" dirty="0"/>
-              <a:t> via videocall)</a:t>
+              <a:t>TEAMS (to communicate via videocall)</a:t>
             </a:r>
           </a:p>
           <a:p>
@@ -7836,262 +7540,27 @@
             <p:ph idx="1"/>
           </p:nvPr>
         </p:nvSpPr>
-        <p:spPr/>
-        <p:txBody>
-          <a:bodyPr/>
+        <p:spPr>
+          <a:xfrm>
+            <a:off x="677334" y="1744911"/>
+            <a:ext cx="8596668" cy="4296452"/>
+          </a:xfrm>
+        </p:spPr>
+        <p:txBody>
+          <a:bodyPr>
+            <a:normAutofit lnSpcReduction="10000"/>
+          </a:bodyPr>
           <a:lstStyle/>
           <a:p>
             <a:r>
               <a:rPr lang="it-IT" dirty="0"/>
-              <a:t>Gabriele: very </a:t>
-            </a:r>
-            <a:r>
-              <a:rPr lang="it-IT" dirty="0" err="1"/>
-              <a:t>helpuful</a:t>
-            </a:r>
+              <a:t>Gabriele: This was a very helpful project; I learned a new language and all the tools that were necessary to develop it. With this newfound knowledge I have decided that I will probably develop here in the next year, using HTML5, CSS3, JavaScript ad SQL. I learned how to use github with a deeper understanding and a more extended knowledge on ssh. All around this was a  very good project. My only regret is not having enough time to actually do what I wanted to do with this project. </a:t>
+            </a:r>
+          </a:p>
+          <a:p>
             <a:r>
               <a:rPr lang="it-IT" dirty="0"/>
-              <a:t> project, </a:t>
-            </a:r>
-            <a:r>
-              <a:rPr lang="it-IT" dirty="0" err="1"/>
-              <a:t>learned</a:t>
-            </a:r>
-            <a:r>
-              <a:rPr lang="it-IT" dirty="0"/>
-              <a:t> a new </a:t>
-            </a:r>
-            <a:r>
-              <a:rPr lang="it-IT" dirty="0" err="1"/>
-              <a:t>language</a:t>
-            </a:r>
-            <a:r>
-              <a:rPr lang="it-IT" dirty="0"/>
-              <a:t> and </a:t>
-            </a:r>
-            <a:r>
-              <a:rPr lang="it-IT" dirty="0" err="1"/>
-              <a:t>all</a:t>
-            </a:r>
-            <a:r>
-              <a:rPr lang="it-IT" dirty="0"/>
-              <a:t> the tool that </a:t>
-            </a:r>
-            <a:r>
-              <a:rPr lang="it-IT" dirty="0" err="1"/>
-              <a:t>goes</a:t>
-            </a:r>
-            <a:r>
-              <a:rPr lang="it-IT" dirty="0"/>
-              <a:t> </a:t>
-            </a:r>
-            <a:r>
-              <a:rPr lang="it-IT" dirty="0" err="1"/>
-              <a:t>around</a:t>
-            </a:r>
-            <a:r>
-              <a:rPr lang="it-IT" dirty="0"/>
-              <a:t> it. </a:t>
-            </a:r>
-            <a:r>
-              <a:rPr lang="it-IT" dirty="0" err="1"/>
-              <a:t>Now</a:t>
-            </a:r>
-            <a:r>
-              <a:rPr lang="it-IT" dirty="0"/>
-              <a:t> with this </a:t>
-            </a:r>
-            <a:r>
-              <a:rPr lang="it-IT" dirty="0" err="1"/>
-              <a:t>knowdlege</a:t>
-            </a:r>
-            <a:r>
-              <a:rPr lang="it-IT" dirty="0"/>
-              <a:t> i </a:t>
-            </a:r>
-            <a:r>
-              <a:rPr lang="it-IT" dirty="0" err="1"/>
-              <a:t>came</a:t>
-            </a:r>
-            <a:r>
-              <a:rPr lang="it-IT" dirty="0"/>
-              <a:t> up with an idea that i </a:t>
-            </a:r>
-            <a:r>
-              <a:rPr lang="it-IT" dirty="0" err="1"/>
-              <a:t>will</a:t>
-            </a:r>
-            <a:r>
-              <a:rPr lang="it-IT" dirty="0"/>
-              <a:t> probably </a:t>
-            </a:r>
-            <a:r>
-              <a:rPr lang="it-IT" dirty="0" err="1"/>
-              <a:t>develop</a:t>
-            </a:r>
-            <a:r>
-              <a:rPr lang="it-IT" dirty="0"/>
-              <a:t> </a:t>
-            </a:r>
-            <a:r>
-              <a:rPr lang="it-IT" dirty="0" err="1"/>
-              <a:t>here</a:t>
-            </a:r>
-            <a:r>
-              <a:rPr lang="it-IT" dirty="0"/>
-              <a:t> in the </a:t>
-            </a:r>
-            <a:r>
-              <a:rPr lang="it-IT" dirty="0" err="1"/>
-              <a:t>next</a:t>
-            </a:r>
-            <a:r>
-              <a:rPr lang="it-IT" dirty="0"/>
-              <a:t> </a:t>
-            </a:r>
-            <a:r>
-              <a:rPr lang="it-IT" dirty="0" err="1"/>
-              <a:t>year</a:t>
-            </a:r>
-            <a:r>
-              <a:rPr lang="it-IT" dirty="0"/>
-              <a:t>, </a:t>
-            </a:r>
-            <a:r>
-              <a:rPr lang="it-IT" dirty="0" err="1"/>
-              <a:t>using</a:t>
-            </a:r>
-            <a:r>
-              <a:rPr lang="it-IT" dirty="0"/>
-              <a:t> HTML5, CSS3, JavaScript ad SQL. </a:t>
-            </a:r>
-            <a:r>
-              <a:rPr lang="it-IT" dirty="0" err="1"/>
-              <a:t>Learned</a:t>
-            </a:r>
-            <a:r>
-              <a:rPr lang="it-IT" dirty="0"/>
-              <a:t> </a:t>
-            </a:r>
-            <a:r>
-              <a:rPr lang="it-IT" dirty="0" err="1"/>
-              <a:t>how</a:t>
-            </a:r>
-            <a:r>
-              <a:rPr lang="it-IT" dirty="0"/>
-              <a:t> to use </a:t>
-            </a:r>
-            <a:r>
-              <a:rPr lang="it-IT" dirty="0" err="1"/>
-              <a:t>github</a:t>
-            </a:r>
-            <a:r>
-              <a:rPr lang="it-IT" dirty="0"/>
-              <a:t> more </a:t>
-            </a:r>
-            <a:r>
-              <a:rPr lang="it-IT" dirty="0" err="1"/>
-              <a:t>deeply</a:t>
-            </a:r>
-            <a:r>
-              <a:rPr lang="it-IT" dirty="0"/>
-              <a:t> and a more </a:t>
-            </a:r>
-            <a:r>
-              <a:rPr lang="it-IT" dirty="0" err="1"/>
-              <a:t>extended</a:t>
-            </a:r>
-            <a:r>
-              <a:rPr lang="it-IT" dirty="0"/>
-              <a:t> knowledge on </a:t>
-            </a:r>
-            <a:r>
-              <a:rPr lang="it-IT" dirty="0" err="1"/>
-              <a:t>ssh</a:t>
-            </a:r>
-            <a:r>
-              <a:rPr lang="it-IT" dirty="0"/>
-              <a:t>. </a:t>
-            </a:r>
-            <a:r>
-              <a:rPr lang="it-IT" dirty="0" err="1"/>
-              <a:t>All</a:t>
-            </a:r>
-            <a:r>
-              <a:rPr lang="it-IT" dirty="0"/>
-              <a:t> </a:t>
-            </a:r>
-            <a:r>
-              <a:rPr lang="it-IT" dirty="0" err="1"/>
-              <a:t>around</a:t>
-            </a:r>
-            <a:r>
-              <a:rPr lang="it-IT" dirty="0"/>
-              <a:t> very good project. </a:t>
-            </a:r>
-            <a:r>
-              <a:rPr lang="it-IT" dirty="0" err="1"/>
-              <a:t>Only</a:t>
-            </a:r>
-            <a:r>
-              <a:rPr lang="it-IT" dirty="0"/>
-              <a:t> </a:t>
-            </a:r>
-            <a:r>
-              <a:rPr lang="it-IT" dirty="0" err="1"/>
-              <a:t>regret</a:t>
-            </a:r>
-            <a:r>
-              <a:rPr lang="it-IT" dirty="0"/>
-              <a:t> </a:t>
-            </a:r>
-            <a:r>
-              <a:rPr lang="it-IT" dirty="0" err="1"/>
-              <a:t>is</a:t>
-            </a:r>
-            <a:r>
-              <a:rPr lang="it-IT" dirty="0"/>
-              <a:t> not </a:t>
-            </a:r>
-            <a:r>
-              <a:rPr lang="it-IT" dirty="0" err="1"/>
-              <a:t>having</a:t>
-            </a:r>
-            <a:r>
-              <a:rPr lang="it-IT" dirty="0"/>
-              <a:t> </a:t>
-            </a:r>
-            <a:r>
-              <a:rPr lang="it-IT" dirty="0" err="1"/>
-              <a:t>enough</a:t>
-            </a:r>
-            <a:r>
-              <a:rPr lang="it-IT" dirty="0"/>
-              <a:t> time to </a:t>
-            </a:r>
-            <a:r>
-              <a:rPr lang="it-IT" dirty="0" err="1"/>
-              <a:t>actually</a:t>
-            </a:r>
-            <a:r>
-              <a:rPr lang="it-IT" dirty="0"/>
-              <a:t> do </a:t>
-            </a:r>
-            <a:r>
-              <a:rPr lang="it-IT" dirty="0" err="1"/>
-              <a:t>what</a:t>
-            </a:r>
-            <a:r>
-              <a:rPr lang="it-IT" dirty="0"/>
-              <a:t> I </a:t>
-            </a:r>
-            <a:r>
-              <a:rPr lang="it-IT" dirty="0" err="1"/>
-              <a:t>wanted</a:t>
-            </a:r>
-            <a:r>
-              <a:rPr lang="it-IT" dirty="0"/>
-              <a:t> to do with this project. </a:t>
+              <a:t>Ben: I had a great time doing this project. For the most part this was very easy on me as Gabriele took the lead on developing which made it easy to know what exactly to work on. Learned quite a bit of JS for having never programmed in it before and gained a better understanding of html and git. My only regrets are that i didn’t take the time early on to fully undeerstand what the API was capable of and i wish i had worked on individual parts of the project ahead of time, because by the time i would get to them, Gabriele had already finished it.</a:t>
             </a:r>
             <a:endParaRPr lang="en-US" dirty="0"/>
           </a:p>
